--- a/Proton.pptx
+++ b/Proton.pptx
@@ -27,11 +27,11 @@
     <p:sldId id="266" r:id="rId21"/>
     <p:sldId id="293" r:id="rId22"/>
     <p:sldId id="267" r:id="rId23"/>
-    <p:sldId id="297" r:id="rId24"/>
-    <p:sldId id="298" r:id="rId25"/>
-    <p:sldId id="299" r:id="rId26"/>
+    <p:sldId id="294" r:id="rId24"/>
+    <p:sldId id="295" r:id="rId25"/>
+    <p:sldId id="296" r:id="rId26"/>
     <p:sldId id="268" r:id="rId27"/>
-    <p:sldId id="300" r:id="rId28"/>
+    <p:sldId id="284" r:id="rId28"/>
     <p:sldId id="270" r:id="rId29"/>
   </p:sldIdLst>
   <p:sldSz cx="12192000" cy="6858000"/>
@@ -884,7 +884,7 @@
           <a:p>
             <a:fld id="{54831C02-B0E3-4E44-9A05-4808C6457E34}" type="datetimeFigureOut">
               <a:rPr lang="en-IN" smtClean="0"/>
-              <a:t>20-03-2021</a:t>
+              <a:t>27-02-2021</a:t>
             </a:fld>
             <a:endParaRPr lang="en-IN"/>
           </a:p>
@@ -1135,7 +1135,7 @@
           <a:p>
             <a:fld id="{54831C02-B0E3-4E44-9A05-4808C6457E34}" type="datetimeFigureOut">
               <a:rPr lang="en-IN" smtClean="0"/>
-              <a:t>20-03-2021</a:t>
+              <a:t>27-02-2021</a:t>
             </a:fld>
             <a:endParaRPr lang="en-IN"/>
           </a:p>
@@ -1449,7 +1449,7 @@
           <a:p>
             <a:fld id="{54831C02-B0E3-4E44-9A05-4808C6457E34}" type="datetimeFigureOut">
               <a:rPr lang="en-IN" smtClean="0"/>
-              <a:t>20-03-2021</a:t>
+              <a:t>27-02-2021</a:t>
             </a:fld>
             <a:endParaRPr lang="en-IN"/>
           </a:p>
@@ -1782,7 +1782,7 @@
           <a:p>
             <a:fld id="{54831C02-B0E3-4E44-9A05-4808C6457E34}" type="datetimeFigureOut">
               <a:rPr lang="en-IN" smtClean="0"/>
-              <a:t>20-03-2021</a:t>
+              <a:t>27-02-2021</a:t>
             </a:fld>
             <a:endParaRPr lang="en-IN"/>
           </a:p>
@@ -2096,7 +2096,7 @@
           <a:p>
             <a:fld id="{54831C02-B0E3-4E44-9A05-4808C6457E34}" type="datetimeFigureOut">
               <a:rPr lang="en-IN" smtClean="0"/>
-              <a:t>20-03-2021</a:t>
+              <a:t>27-02-2021</a:t>
             </a:fld>
             <a:endParaRPr lang="en-IN"/>
           </a:p>
@@ -2489,7 +2489,7 @@
           <a:p>
             <a:fld id="{54831C02-B0E3-4E44-9A05-4808C6457E34}" type="datetimeFigureOut">
               <a:rPr lang="en-IN" smtClean="0"/>
-              <a:t>20-03-2021</a:t>
+              <a:t>27-02-2021</a:t>
             </a:fld>
             <a:endParaRPr lang="en-IN"/>
           </a:p>
@@ -2659,7 +2659,7 @@
           <a:p>
             <a:fld id="{54831C02-B0E3-4E44-9A05-4808C6457E34}" type="datetimeFigureOut">
               <a:rPr lang="en-IN" smtClean="0"/>
-              <a:t>20-03-2021</a:t>
+              <a:t>27-02-2021</a:t>
             </a:fld>
             <a:endParaRPr lang="en-IN"/>
           </a:p>
@@ -2839,7 +2839,7 @@
           <a:p>
             <a:fld id="{54831C02-B0E3-4E44-9A05-4808C6457E34}" type="datetimeFigureOut">
               <a:rPr lang="en-IN" smtClean="0"/>
-              <a:t>20-03-2021</a:t>
+              <a:t>27-02-2021</a:t>
             </a:fld>
             <a:endParaRPr lang="en-IN"/>
           </a:p>
@@ -3009,7 +3009,7 @@
           <a:p>
             <a:fld id="{54831C02-B0E3-4E44-9A05-4808C6457E34}" type="datetimeFigureOut">
               <a:rPr lang="en-IN" smtClean="0"/>
-              <a:t>20-03-2021</a:t>
+              <a:t>27-02-2021</a:t>
             </a:fld>
             <a:endParaRPr lang="en-IN"/>
           </a:p>
@@ -3256,7 +3256,7 @@
           <a:p>
             <a:fld id="{54831C02-B0E3-4E44-9A05-4808C6457E34}" type="datetimeFigureOut">
               <a:rPr lang="en-IN" smtClean="0"/>
-              <a:t>20-03-2021</a:t>
+              <a:t>27-02-2021</a:t>
             </a:fld>
             <a:endParaRPr lang="en-IN"/>
           </a:p>
@@ -3488,7 +3488,7 @@
           <a:p>
             <a:fld id="{54831C02-B0E3-4E44-9A05-4808C6457E34}" type="datetimeFigureOut">
               <a:rPr lang="en-IN" smtClean="0"/>
-              <a:t>20-03-2021</a:t>
+              <a:t>27-02-2021</a:t>
             </a:fld>
             <a:endParaRPr lang="en-IN"/>
           </a:p>
@@ -3862,7 +3862,7 @@
           <a:p>
             <a:fld id="{54831C02-B0E3-4E44-9A05-4808C6457E34}" type="datetimeFigureOut">
               <a:rPr lang="en-IN" smtClean="0"/>
-              <a:t>20-03-2021</a:t>
+              <a:t>27-02-2021</a:t>
             </a:fld>
             <a:endParaRPr lang="en-IN"/>
           </a:p>
@@ -3985,7 +3985,7 @@
           <a:p>
             <a:fld id="{54831C02-B0E3-4E44-9A05-4808C6457E34}" type="datetimeFigureOut">
               <a:rPr lang="en-IN" smtClean="0"/>
-              <a:t>20-03-2021</a:t>
+              <a:t>27-02-2021</a:t>
             </a:fld>
             <a:endParaRPr lang="en-IN"/>
           </a:p>
@@ -4080,7 +4080,7 @@
           <a:p>
             <a:fld id="{54831C02-B0E3-4E44-9A05-4808C6457E34}" type="datetimeFigureOut">
               <a:rPr lang="en-IN" smtClean="0"/>
-              <a:t>20-03-2021</a:t>
+              <a:t>27-02-2021</a:t>
             </a:fld>
             <a:endParaRPr lang="en-IN"/>
           </a:p>
@@ -4335,7 +4335,7 @@
           <a:p>
             <a:fld id="{54831C02-B0E3-4E44-9A05-4808C6457E34}" type="datetimeFigureOut">
               <a:rPr lang="en-IN" smtClean="0"/>
-              <a:t>20-03-2021</a:t>
+              <a:t>27-02-2021</a:t>
             </a:fld>
             <a:endParaRPr lang="en-IN"/>
           </a:p>
@@ -4640,7 +4640,7 @@
           <a:p>
             <a:fld id="{54831C02-B0E3-4E44-9A05-4808C6457E34}" type="datetimeFigureOut">
               <a:rPr lang="en-IN" smtClean="0"/>
-              <a:t>20-03-2021</a:t>
+              <a:t>27-02-2021</a:t>
             </a:fld>
             <a:endParaRPr lang="en-IN"/>
           </a:p>
@@ -5342,7 +5342,7 @@
           <a:p>
             <a:fld id="{54831C02-B0E3-4E44-9A05-4808C6457E34}" type="datetimeFigureOut">
               <a:rPr lang="en-IN" smtClean="0"/>
-              <a:t>20-03-2021</a:t>
+              <a:t>27-02-2021</a:t>
             </a:fld>
             <a:endParaRPr lang="en-IN"/>
           </a:p>
@@ -8598,13 +8598,13 @@
   <p:clrMapOvr>
     <a:masterClrMapping/>
   </p:clrMapOvr>
-  <mc:AlternateContent xmlns:mc="http://schemas.openxmlformats.org/markup-compatibility/2006" xmlns:p15="http://schemas.microsoft.com/office/powerpoint/2012/main">
-    <mc:Choice Requires="p15">
+  <mc:AlternateContent xmlns:mc="http://schemas.openxmlformats.org/markup-compatibility/2006">
+    <mc:Choice xmlns:p15="http://schemas.microsoft.com/office/powerpoint/2012/main" Requires="p15">
       <p:transition xmlns:p14="http://schemas.microsoft.com/office/powerpoint/2010/main" spd="slow" p14:dur="2000">
         <p15:prstTrans prst="prestige"/>
       </p:transition>
     </mc:Choice>
-    <mc:Fallback xmlns="">
+    <mc:Fallback>
       <p:transition spd="slow">
         <p:fade/>
       </p:transition>
@@ -10299,13 +10299,13 @@
   <p:clrMapOvr>
     <a:masterClrMapping/>
   </p:clrMapOvr>
-  <mc:AlternateContent xmlns:mc="http://schemas.openxmlformats.org/markup-compatibility/2006" xmlns:p15="http://schemas.microsoft.com/office/powerpoint/2012/main">
-    <mc:Choice Requires="p15">
+  <mc:AlternateContent xmlns:mc="http://schemas.openxmlformats.org/markup-compatibility/2006">
+    <mc:Choice xmlns:p15="http://schemas.microsoft.com/office/powerpoint/2012/main" Requires="p15">
       <p:transition xmlns:p14="http://schemas.microsoft.com/office/powerpoint/2010/main" spd="slow" p14:dur="2000">
         <p15:prstTrans prst="prestige"/>
       </p:transition>
     </mc:Choice>
-    <mc:Fallback xmlns="">
+    <mc:Fallback>
       <p:transition spd="slow">
         <p:fade/>
       </p:transition>
@@ -12586,13 +12586,13 @@
   <p:clrMapOvr>
     <a:masterClrMapping/>
   </p:clrMapOvr>
-  <mc:AlternateContent xmlns:mc="http://schemas.openxmlformats.org/markup-compatibility/2006" xmlns:p15="http://schemas.microsoft.com/office/powerpoint/2012/main">
-    <mc:Choice Requires="p15">
+  <mc:AlternateContent xmlns:mc="http://schemas.openxmlformats.org/markup-compatibility/2006">
+    <mc:Choice xmlns:p15="http://schemas.microsoft.com/office/powerpoint/2012/main" Requires="p15">
       <p:transition xmlns:p14="http://schemas.microsoft.com/office/powerpoint/2010/main" spd="slow" p14:dur="2000">
         <p15:prstTrans prst="prestige"/>
       </p:transition>
     </mc:Choice>
-    <mc:Fallback xmlns="">
+    <mc:Fallback>
       <p:transition spd="slow">
         <p:fade/>
       </p:transition>
@@ -14662,13 +14662,13 @@
   <p:clrMapOvr>
     <a:masterClrMapping/>
   </p:clrMapOvr>
-  <mc:AlternateContent xmlns:mc="http://schemas.openxmlformats.org/markup-compatibility/2006" xmlns:p15="http://schemas.microsoft.com/office/powerpoint/2012/main">
-    <mc:Choice Requires="p15">
+  <mc:AlternateContent xmlns:mc="http://schemas.openxmlformats.org/markup-compatibility/2006">
+    <mc:Choice xmlns:p15="http://schemas.microsoft.com/office/powerpoint/2012/main" Requires="p15">
       <p:transition xmlns:p14="http://schemas.microsoft.com/office/powerpoint/2010/main" spd="slow" p14:dur="2000">
         <p15:prstTrans prst="prestige"/>
       </p:transition>
     </mc:Choice>
-    <mc:Fallback xmlns="">
+    <mc:Fallback>
       <p:transition spd="slow">
         <p:fade/>
       </p:transition>
@@ -16755,13 +16755,13 @@
   <p:clrMapOvr>
     <a:masterClrMapping/>
   </p:clrMapOvr>
-  <mc:AlternateContent xmlns:mc="http://schemas.openxmlformats.org/markup-compatibility/2006" xmlns:p15="http://schemas.microsoft.com/office/powerpoint/2012/main">
-    <mc:Choice Requires="p15">
+  <mc:AlternateContent xmlns:mc="http://schemas.openxmlformats.org/markup-compatibility/2006">
+    <mc:Choice xmlns:p15="http://schemas.microsoft.com/office/powerpoint/2012/main" Requires="p15">
       <p:transition xmlns:p14="http://schemas.microsoft.com/office/powerpoint/2010/main" spd="slow" p14:dur="2000" advClick="0" advTm="0">
         <p15:prstTrans prst="prestige"/>
       </p:transition>
     </mc:Choice>
-    <mc:Fallback xmlns="">
+    <mc:Fallback>
       <p:transition spd="slow" advClick="0" advTm="0">
         <p:fade/>
       </p:transition>
@@ -19504,13 +19504,13 @@
   <p:clrMapOvr>
     <a:masterClrMapping/>
   </p:clrMapOvr>
-  <mc:AlternateContent xmlns:mc="http://schemas.openxmlformats.org/markup-compatibility/2006" xmlns:p15="http://schemas.microsoft.com/office/powerpoint/2012/main">
-    <mc:Choice Requires="p15">
+  <mc:AlternateContent xmlns:mc="http://schemas.openxmlformats.org/markup-compatibility/2006">
+    <mc:Choice xmlns:p15="http://schemas.microsoft.com/office/powerpoint/2012/main" Requires="p15">
       <p:transition xmlns:p14="http://schemas.microsoft.com/office/powerpoint/2010/main" spd="slow" p14:dur="2000">
         <p15:prstTrans prst="prestige"/>
       </p:transition>
     </mc:Choice>
-    <mc:Fallback xmlns="">
+    <mc:Fallback>
       <p:transition spd="slow">
         <p:fade/>
       </p:transition>
@@ -21346,8 +21346,8 @@
         </p:nvSpPr>
         <p:spPr>
           <a:xfrm>
-            <a:off x="502681" y="4479148"/>
-            <a:ext cx="4004331" cy="2123658"/>
+            <a:off x="705911" y="4677153"/>
+            <a:ext cx="3400251" cy="2123658"/>
           </a:xfrm>
           <a:prstGeom prst="rect">
             <a:avLst/>
@@ -21387,9 +21387,71 @@
                 <a:ea typeface="Android Insomnia" pitchFamily="2" charset="-128"/>
                 <a:cs typeface="Segoe UI Light" panose="020B0502040204020203" pitchFamily="34" charset="0"/>
               </a:rPr>
-              <a:t>“Reduce brightness by 50%”</a:t>
+              <a:t>“Reduce Brightness by 50%”</a:t>
             </a:r>
             <a:endParaRPr lang="en-IN" sz="4400" dirty="0"/>
+          </a:p>
+        </p:txBody>
+      </p:sp>
+      <p:sp>
+        <p:nvSpPr>
+          <p:cNvPr id="36" name="Speech Bubble: Rectangle with Corners Rounded 35">
+            <a:extLst>
+              <a:ext uri="{FF2B5EF4-FFF2-40B4-BE49-F238E27FC236}">
+                <a16:creationId xmlns:a16="http://schemas.microsoft.com/office/drawing/2014/main" id="{E490B93C-7ADB-4FE7-9B1B-FFFD73C67FD3}"/>
+              </a:ext>
+            </a:extLst>
+          </p:cNvPr>
+          <p:cNvSpPr/>
+          <p:nvPr/>
+        </p:nvSpPr>
+        <p:spPr>
+          <a:xfrm>
+            <a:off x="5160154" y="3771602"/>
+            <a:ext cx="1914061" cy="1085189"/>
+          </a:xfrm>
+          <a:prstGeom prst="wedgeRoundRectCallout">
+            <a:avLst>
+              <a:gd name="adj1" fmla="val -79658"/>
+              <a:gd name="adj2" fmla="val 40140"/>
+              <a:gd name="adj3" fmla="val 16667"/>
+            </a:avLst>
+          </a:prstGeom>
+          <a:solidFill>
+            <a:schemeClr val="accent2">
+              <a:lumMod val="60000"/>
+              <a:lumOff val="40000"/>
+            </a:schemeClr>
+          </a:solidFill>
+          <a:ln>
+            <a:noFill/>
+          </a:ln>
+        </p:spPr>
+        <p:style>
+          <a:lnRef idx="2">
+            <a:schemeClr val="accent1">
+              <a:shade val="50000"/>
+            </a:schemeClr>
+          </a:lnRef>
+          <a:fillRef idx="1">
+            <a:schemeClr val="accent1"/>
+          </a:fillRef>
+          <a:effectRef idx="0">
+            <a:schemeClr val="accent1"/>
+          </a:effectRef>
+          <a:fontRef idx="minor">
+            <a:schemeClr val="lt1"/>
+          </a:fontRef>
+        </p:style>
+        <p:txBody>
+          <a:bodyPr rtlCol="0" anchor="ctr"/>
+          <a:lstStyle/>
+          <a:p>
+            <a:pPr algn="ctr"/>
+            <a:r>
+              <a:rPr lang="en-IN" dirty="0"/>
+              <a:t>Decreasing Screen Brightness by 50%…</a:t>
+            </a:r>
           </a:p>
         </p:txBody>
       </p:sp>
@@ -21447,7 +21509,6 @@
           <a:bodyPr rtlCol="0" anchor="ctr"/>
           <a:lstStyle/>
           <a:p>
-            <a:pPr algn="ctr"/>
             <a:r>
               <a:rPr lang="en-IN" dirty="0"/>
               <a:t>Reduce Brightness by 50%</a:t>
@@ -21455,72 +21516,10 @@
           </a:p>
         </p:txBody>
       </p:sp>
-      <p:sp>
-        <p:nvSpPr>
-          <p:cNvPr id="36" name="Speech Bubble: Rectangle with Corners Rounded 35">
-            <a:extLst>
-              <a:ext uri="{FF2B5EF4-FFF2-40B4-BE49-F238E27FC236}">
-                <a16:creationId xmlns:a16="http://schemas.microsoft.com/office/drawing/2014/main" id="{E490B93C-7ADB-4FE7-9B1B-FFFD73C67FD3}"/>
-              </a:ext>
-            </a:extLst>
-          </p:cNvPr>
-          <p:cNvSpPr/>
-          <p:nvPr/>
-        </p:nvSpPr>
-        <p:spPr>
-          <a:xfrm>
-            <a:off x="5160154" y="3940736"/>
-            <a:ext cx="1914061" cy="922183"/>
-          </a:xfrm>
-          <a:prstGeom prst="wedgeRoundRectCallout">
-            <a:avLst>
-              <a:gd name="adj1" fmla="val -79658"/>
-              <a:gd name="adj2" fmla="val 40140"/>
-              <a:gd name="adj3" fmla="val 16667"/>
-            </a:avLst>
-          </a:prstGeom>
-          <a:solidFill>
-            <a:schemeClr val="accent2">
-              <a:lumMod val="60000"/>
-              <a:lumOff val="40000"/>
-            </a:schemeClr>
-          </a:solidFill>
-          <a:ln>
-            <a:noFill/>
-          </a:ln>
-        </p:spPr>
-        <p:style>
-          <a:lnRef idx="2">
-            <a:schemeClr val="accent1">
-              <a:shade val="50000"/>
-            </a:schemeClr>
-          </a:lnRef>
-          <a:fillRef idx="1">
-            <a:schemeClr val="accent1"/>
-          </a:fillRef>
-          <a:effectRef idx="0">
-            <a:schemeClr val="accent1"/>
-          </a:effectRef>
-          <a:fontRef idx="minor">
-            <a:schemeClr val="lt1"/>
-          </a:fontRef>
-        </p:style>
-        <p:txBody>
-          <a:bodyPr rtlCol="0" anchor="ctr"/>
-          <a:lstStyle/>
-          <a:p>
-            <a:pPr algn="ctr"/>
-            <a:r>
-              <a:rPr lang="en-IN" dirty="0"/>
-              <a:t>Decreasing brightness by 50%</a:t>
-            </a:r>
-          </a:p>
-        </p:txBody>
-      </p:sp>
     </p:spTree>
     <p:extLst>
       <p:ext uri="{BB962C8B-B14F-4D97-AF65-F5344CB8AC3E}">
-        <p14:creationId xmlns:p14="http://schemas.microsoft.com/office/powerpoint/2010/main" val="66911552"/>
+        <p14:creationId xmlns:p14="http://schemas.microsoft.com/office/powerpoint/2010/main" val="2849492463"/>
       </p:ext>
     </p:extLst>
   </p:cSld>
@@ -21529,12 +21528,12 @@
   </p:clrMapOvr>
   <mc:AlternateContent xmlns:mc="http://schemas.openxmlformats.org/markup-compatibility/2006">
     <mc:Choice xmlns:p15="http://schemas.microsoft.com/office/powerpoint/2012/main" Requires="p15">
-      <p:transition xmlns:p14="http://schemas.microsoft.com/office/powerpoint/2010/main" spd="slow" p14:dur="2000">
+      <p:transition xmlns:p14="http://schemas.microsoft.com/office/powerpoint/2010/main" spd="slow" p14:dur="2000" advClick="0" advTm="0">
         <p15:prstTrans prst="prestige"/>
       </p:transition>
     </mc:Choice>
     <mc:Fallback>
-      <p:transition spd="slow">
+      <p:transition spd="slow" advClick="0" advTm="0">
         <p:fade/>
       </p:transition>
     </mc:Fallback>
@@ -21793,7 +21792,7 @@
                                     <p:cond delay="0"/>
                                   </p:stCondLst>
                                   <p:childTnLst>
-                                    <p:animMotion origin="layout" path="M -3.33333E-6 3.33333E-6 L -0.00065 -0.16204 " pathEditMode="relative" rAng="0" ptsTypes="AA">
+                                    <p:animMotion origin="layout" path="M -3.33333E-6 0.0037 L -0.00065 -0.18797 " pathEditMode="relative" rAng="0" ptsTypes="AA">
                                       <p:cBhvr>
                                         <p:cTn id="19" dur="500" fill="hold"/>
                                         <p:tgtEl>
@@ -21804,7 +21803,7 @@
                                           <p:attrName>ppt_y</p:attrName>
                                         </p:attrNameLst>
                                       </p:cBhvr>
-                                      <p:rCtr x="-39" y="-8102"/>
+                                      <p:rCtr x="-39" y="-9583"/>
                                     </p:animMotion>
                                   </p:childTnLst>
                                 </p:cTn>
@@ -21821,7 +21820,7 @@
                               <p:par>
                                 <p:cTn id="21" presetID="23" presetClass="entr" presetSubtype="16" fill="hold" grpId="0" nodeType="afterEffect">
                                   <p:stCondLst>
-                                    <p:cond delay="200"/>
+                                    <p:cond delay="0"/>
                                   </p:stCondLst>
                                   <p:childTnLst>
                                     <p:set>
@@ -21920,9 +21919,9 @@
     </p:tnLst>
     <p:bldLst>
       <p:bldP spid="41" grpId="0"/>
+      <p:bldP spid="36" grpId="0" animBg="1"/>
       <p:bldP spid="26" grpId="0" animBg="1"/>
       <p:bldP spid="26" grpId="1" animBg="1"/>
-      <p:bldP spid="36" grpId="0" animBg="1"/>
     </p:bldLst>
   </p:timing>
 </p:sld>
@@ -22077,9 +22076,7 @@
                   </a:avLst>
                 </a:prstGeom>
                 <a:solidFill>
-                  <a:schemeClr val="bg1">
-                    <a:lumMod val="85000"/>
-                  </a:schemeClr>
+                  <a:srgbClr val="E2E2E2"/>
                 </a:solidFill>
                 <a:ln/>
               </p:spPr>
@@ -22601,7 +22598,9 @@
             <a:avLst/>
           </a:prstGeom>
           <a:solidFill>
-            <a:srgbClr val="C5C5C5"/>
+            <a:schemeClr val="bg1">
+              <a:lumMod val="85000"/>
+            </a:schemeClr>
           </a:solidFill>
           <a:ln>
             <a:noFill/>
@@ -22830,65 +22829,6 @@
       </p:grpSp>
       <p:sp>
         <p:nvSpPr>
-          <p:cNvPr id="26" name="Speech Bubble: Rectangle with Corners Rounded 25">
-            <a:extLst>
-              <a:ext uri="{FF2B5EF4-FFF2-40B4-BE49-F238E27FC236}">
-                <a16:creationId xmlns:a16="http://schemas.microsoft.com/office/drawing/2014/main" id="{A20AFA40-4D58-4BC0-A81F-765D59708A18}"/>
-              </a:ext>
-            </a:extLst>
-          </p:cNvPr>
-          <p:cNvSpPr/>
-          <p:nvPr/>
-        </p:nvSpPr>
-        <p:spPr>
-          <a:xfrm>
-            <a:off x="4859646" y="2831469"/>
-            <a:ext cx="1914061" cy="922183"/>
-          </a:xfrm>
-          <a:prstGeom prst="wedgeRoundRectCallout">
-            <a:avLst>
-              <a:gd name="adj1" fmla="val 80632"/>
-              <a:gd name="adj2" fmla="val 34543"/>
-              <a:gd name="adj3" fmla="val 16667"/>
-            </a:avLst>
-          </a:prstGeom>
-          <a:solidFill>
-            <a:srgbClr val="11BBFF"/>
-          </a:solidFill>
-          <a:ln>
-            <a:noFill/>
-          </a:ln>
-        </p:spPr>
-        <p:style>
-          <a:lnRef idx="2">
-            <a:schemeClr val="accent1">
-              <a:shade val="50000"/>
-            </a:schemeClr>
-          </a:lnRef>
-          <a:fillRef idx="1">
-            <a:schemeClr val="accent1"/>
-          </a:fillRef>
-          <a:effectRef idx="0">
-            <a:schemeClr val="accent1"/>
-          </a:effectRef>
-          <a:fontRef idx="minor">
-            <a:schemeClr val="lt1"/>
-          </a:fontRef>
-        </p:style>
-        <p:txBody>
-          <a:bodyPr rtlCol="0" anchor="ctr"/>
-          <a:lstStyle/>
-          <a:p>
-            <a:pPr algn="ctr"/>
-            <a:r>
-              <a:rPr lang="en-IN" dirty="0"/>
-              <a:t>Reduce Brightness by 50%</a:t>
-            </a:r>
-          </a:p>
-        </p:txBody>
-      </p:sp>
-      <p:sp>
-        <p:nvSpPr>
           <p:cNvPr id="36" name="Speech Bubble: Rectangle with Corners Rounded 35">
             <a:extLst>
               <a:ext uri="{FF2B5EF4-FFF2-40B4-BE49-F238E27FC236}">
@@ -22901,8 +22841,8 @@
         </p:nvSpPr>
         <p:spPr>
           <a:xfrm>
-            <a:off x="5160154" y="3940736"/>
-            <a:ext cx="1914061" cy="922183"/>
+            <a:off x="5160154" y="3771602"/>
+            <a:ext cx="1914061" cy="1085189"/>
           </a:xfrm>
           <a:prstGeom prst="wedgeRoundRectCallout">
             <a:avLst>
@@ -22941,7 +22881,65 @@
             <a:pPr algn="ctr"/>
             <a:r>
               <a:rPr lang="en-IN" dirty="0"/>
-              <a:t>Decreasing brightness by 50%</a:t>
+              <a:t>Decreasing Screen Brightness by 50%…</a:t>
+            </a:r>
+          </a:p>
+        </p:txBody>
+      </p:sp>
+      <p:sp>
+        <p:nvSpPr>
+          <p:cNvPr id="42" name="Speech Bubble: Rectangle with Corners Rounded 41">
+            <a:extLst>
+              <a:ext uri="{FF2B5EF4-FFF2-40B4-BE49-F238E27FC236}">
+                <a16:creationId xmlns:a16="http://schemas.microsoft.com/office/drawing/2014/main" id="{221EDD8D-7A5F-49F4-8E3F-3F2A61C1F58F}"/>
+              </a:ext>
+            </a:extLst>
+          </p:cNvPr>
+          <p:cNvSpPr/>
+          <p:nvPr/>
+        </p:nvSpPr>
+        <p:spPr>
+          <a:xfrm>
+            <a:off x="4859646" y="2594626"/>
+            <a:ext cx="1914061" cy="922183"/>
+          </a:xfrm>
+          <a:prstGeom prst="wedgeRoundRectCallout">
+            <a:avLst>
+              <a:gd name="adj1" fmla="val 80632"/>
+              <a:gd name="adj2" fmla="val 34543"/>
+              <a:gd name="adj3" fmla="val 16667"/>
+            </a:avLst>
+          </a:prstGeom>
+          <a:solidFill>
+            <a:srgbClr val="11BBFF"/>
+          </a:solidFill>
+          <a:ln>
+            <a:noFill/>
+          </a:ln>
+        </p:spPr>
+        <p:style>
+          <a:lnRef idx="2">
+            <a:schemeClr val="accent1">
+              <a:shade val="50000"/>
+            </a:schemeClr>
+          </a:lnRef>
+          <a:fillRef idx="1">
+            <a:schemeClr val="accent1"/>
+          </a:fillRef>
+          <a:effectRef idx="0">
+            <a:schemeClr val="accent1"/>
+          </a:effectRef>
+          <a:fontRef idx="minor">
+            <a:schemeClr val="lt1"/>
+          </a:fontRef>
+        </p:style>
+        <p:txBody>
+          <a:bodyPr rtlCol="0" anchor="ctr"/>
+          <a:lstStyle/>
+          <a:p>
+            <a:r>
+              <a:rPr lang="en-IN" dirty="0"/>
+              <a:t>Reduce Brightness by 50%</a:t>
             </a:r>
           </a:p>
         </p:txBody>
@@ -22949,25 +22947,16 @@
     </p:spTree>
     <p:extLst>
       <p:ext uri="{BB962C8B-B14F-4D97-AF65-F5344CB8AC3E}">
-        <p14:creationId xmlns:p14="http://schemas.microsoft.com/office/powerpoint/2010/main" val="1983065699"/>
+        <p14:creationId xmlns:p14="http://schemas.microsoft.com/office/powerpoint/2010/main" val="1362414559"/>
       </p:ext>
     </p:extLst>
   </p:cSld>
   <p:clrMapOvr>
     <a:masterClrMapping/>
   </p:clrMapOvr>
-  <mc:AlternateContent xmlns:mc="http://schemas.openxmlformats.org/markup-compatibility/2006">
-    <mc:Choice xmlns:p14="http://schemas.microsoft.com/office/powerpoint/2010/main" Requires="p14">
-      <p:transition spd="med" p14:dur="700" advClick="0" advTm="0">
-        <p:fade/>
-      </p:transition>
-    </mc:Choice>
-    <mc:Fallback>
-      <p:transition spd="med" advClick="0" advTm="0">
-        <p:fade/>
-      </p:transition>
-    </mc:Fallback>
-  </mc:AlternateContent>
+  <p:transition spd="slow" advClick="0" advTm="0">
+    <p:fade/>
+  </p:transition>
 </p:sld>
 </file>
 
@@ -23120,9 +23109,7 @@
                   </a:avLst>
                 </a:prstGeom>
                 <a:solidFill>
-                  <a:schemeClr val="bg1">
-                    <a:lumMod val="85000"/>
-                  </a:schemeClr>
+                  <a:srgbClr val="E2E2E2"/>
                 </a:solidFill>
                 <a:ln/>
               </p:spPr>
@@ -23644,7 +23631,9 @@
             <a:avLst/>
           </a:prstGeom>
           <a:solidFill>
-            <a:srgbClr val="C5C5C5"/>
+            <a:schemeClr val="bg1">
+              <a:lumMod val="85000"/>
+            </a:schemeClr>
           </a:solidFill>
           <a:ln>
             <a:noFill/>
@@ -23885,8 +23874,8 @@
         </p:nvSpPr>
         <p:spPr>
           <a:xfrm>
-            <a:off x="5160154" y="3940736"/>
-            <a:ext cx="1914061" cy="922183"/>
+            <a:off x="5160154" y="3771602"/>
+            <a:ext cx="1914061" cy="1085189"/>
           </a:xfrm>
           <a:prstGeom prst="wedgeRoundRectCallout">
             <a:avLst>
@@ -23925,7 +23914,7 @@
             <a:pPr algn="ctr"/>
             <a:r>
               <a:rPr lang="en-IN" dirty="0"/>
-              <a:t>Decreasing brightness by 50%</a:t>
+              <a:t>Decreasing Screen Brightness by 50%…</a:t>
             </a:r>
           </a:p>
         </p:txBody>
@@ -23935,7 +23924,7 @@
           <p:cNvPr id="23" name="Speech Bubble: Rectangle with Corners Rounded 22">
             <a:extLst>
               <a:ext uri="{FF2B5EF4-FFF2-40B4-BE49-F238E27FC236}">
-                <a16:creationId xmlns:a16="http://schemas.microsoft.com/office/drawing/2014/main" id="{D27C154F-E72A-46DE-8A04-B1374CBD073C}"/>
+                <a16:creationId xmlns:a16="http://schemas.microsoft.com/office/drawing/2014/main" id="{789BF323-4218-4256-823A-74D17DB4A778}"/>
               </a:ext>
             </a:extLst>
           </p:cNvPr>
@@ -23944,13 +23933,13 @@
         </p:nvSpPr>
         <p:spPr>
           <a:xfrm>
-            <a:off x="5131972" y="4182256"/>
-            <a:ext cx="1914061" cy="653186"/>
+            <a:off x="5188738" y="4221745"/>
+            <a:ext cx="1701944" cy="704676"/>
           </a:xfrm>
           <a:prstGeom prst="wedgeRoundRectCallout">
             <a:avLst>
-              <a:gd name="adj1" fmla="val -78349"/>
-              <a:gd name="adj2" fmla="val 50608"/>
+              <a:gd name="adj1" fmla="val -79658"/>
+              <a:gd name="adj2" fmla="val 40140"/>
               <a:gd name="adj3" fmla="val 16667"/>
             </a:avLst>
           </a:prstGeom>
@@ -23992,16 +23981,21 @@
     </p:spTree>
     <p:extLst>
       <p:ext uri="{BB962C8B-B14F-4D97-AF65-F5344CB8AC3E}">
-        <p14:creationId xmlns:p14="http://schemas.microsoft.com/office/powerpoint/2010/main" val="2041762312"/>
+        <p14:creationId xmlns:p14="http://schemas.microsoft.com/office/powerpoint/2010/main" val="629688781"/>
       </p:ext>
     </p:extLst>
   </p:cSld>
   <p:clrMapOvr>
     <a:masterClrMapping/>
   </p:clrMapOvr>
-  <p:transition>
-    <p:fade/>
-  </p:transition>
+  <mc:AlternateContent xmlns:mc="http://schemas.openxmlformats.org/markup-compatibility/2006">
+    <mc:Choice xmlns:p14="http://schemas.microsoft.com/office/powerpoint/2010/main" Requires="p14">
+      <p:transition p14:dur="10" advClick="0" advTm="0"/>
+    </mc:Choice>
+    <mc:Fallback>
+      <p:transition advClick="0" advTm="0"/>
+    </mc:Fallback>
+  </mc:AlternateContent>
   <p:timing>
     <p:tnLst>
       <p:par>
@@ -24031,7 +24025,7 @@
                                     <p:cond delay="0"/>
                                   </p:stCondLst>
                                   <p:childTnLst>
-                                    <p:animMotion origin="layout" path="M -2.70833E-6 3.33333E-6 L -0.00169 -0.13449 " pathEditMode="relative" rAng="0" ptsTypes="AA">
+                                    <p:animMotion origin="layout" path="M -2.70833E-6 4.81481E-6 L 0.00078 -0.12894 " pathEditMode="relative" rAng="0" ptsTypes="AA">
                                       <p:cBhvr>
                                         <p:cTn id="6" dur="500" fill="hold"/>
                                         <p:tgtEl>
@@ -24042,7 +24036,7 @@
                                           <p:attrName>ppt_y</p:attrName>
                                         </p:attrNameLst>
                                       </p:cBhvr>
-                                      <p:rCtr x="-91" y="-6736"/>
+                                      <p:rCtr x="39" y="-6458"/>
                                     </p:animMotion>
                                   </p:childTnLst>
                                 </p:cTn>
@@ -24082,7 +24076,7 @@
                                     </p:set>
                                     <p:anim calcmode="lin" valueType="num">
                                       <p:cBhvr>
-                                        <p:cTn id="10" dur="200" fill="hold"/>
+                                        <p:cTn id="10" dur="500" fill="hold"/>
                                         <p:tgtEl>
                                           <p:spTgt spid="23"/>
                                         </p:tgtEl>
@@ -24105,7 +24099,7 @@
                                     </p:anim>
                                     <p:anim calcmode="lin" valueType="num">
                                       <p:cBhvr>
-                                        <p:cTn id="11" dur="200" fill="hold"/>
+                                        <p:cTn id="11" dur="500" fill="hold"/>
                                         <p:tgtEl>
                                           <p:spTgt spid="23"/>
                                         </p:tgtEl>
@@ -25164,234 +25158,6 @@
           </p:txBody>
         </p:sp>
       </p:grpSp>
-      <p:grpSp>
-        <p:nvGrpSpPr>
-          <p:cNvPr id="18" name="Group 17">
-            <a:extLst>
-              <a:ext uri="{FF2B5EF4-FFF2-40B4-BE49-F238E27FC236}">
-                <a16:creationId xmlns:a16="http://schemas.microsoft.com/office/drawing/2014/main" id="{07F6F005-347E-43CA-AF81-ECD9E3EFF2E1}"/>
-              </a:ext>
-            </a:extLst>
-          </p:cNvPr>
-          <p:cNvGrpSpPr/>
-          <p:nvPr/>
-        </p:nvGrpSpPr>
-        <p:grpSpPr>
-          <a:xfrm>
-            <a:off x="6619696" y="5216236"/>
-            <a:ext cx="296578" cy="265668"/>
-            <a:chOff x="6567918" y="5196893"/>
-            <a:chExt cx="400134" cy="328418"/>
-          </a:xfrm>
-        </p:grpSpPr>
-        <p:sp>
-          <p:nvSpPr>
-            <p:cNvPr id="5" name="Isosceles Triangle 4">
-              <a:extLst>
-                <a:ext uri="{FF2B5EF4-FFF2-40B4-BE49-F238E27FC236}">
-                  <a16:creationId xmlns:a16="http://schemas.microsoft.com/office/drawing/2014/main" id="{654E6C71-FF6A-4060-90E9-05A8B80F7CCA}"/>
-                </a:ext>
-              </a:extLst>
-            </p:cNvPr>
-            <p:cNvSpPr/>
-            <p:nvPr/>
-          </p:nvSpPr>
-          <p:spPr>
-            <a:xfrm rot="5400000">
-              <a:off x="6606277" y="5163536"/>
-              <a:ext cx="328418" cy="395132"/>
-            </a:xfrm>
-            <a:prstGeom prst="triangle">
-              <a:avLst/>
-            </a:prstGeom>
-            <a:ln>
-              <a:noFill/>
-            </a:ln>
-          </p:spPr>
-          <p:style>
-            <a:lnRef idx="2">
-              <a:schemeClr val="accent1">
-                <a:shade val="50000"/>
-              </a:schemeClr>
-            </a:lnRef>
-            <a:fillRef idx="1">
-              <a:schemeClr val="accent1"/>
-            </a:fillRef>
-            <a:effectRef idx="0">
-              <a:schemeClr val="accent1"/>
-            </a:effectRef>
-            <a:fontRef idx="minor">
-              <a:schemeClr val="lt1"/>
-            </a:fontRef>
-          </p:style>
-          <p:txBody>
-            <a:bodyPr rtlCol="0" anchor="ctr"/>
-            <a:lstStyle/>
-            <a:p>
-              <a:pPr algn="ctr"/>
-              <a:endParaRPr lang="en-IN"/>
-            </a:p>
-          </p:txBody>
-        </p:sp>
-        <p:sp>
-          <p:nvSpPr>
-            <p:cNvPr id="6" name="Isosceles Triangle 5">
-              <a:extLst>
-                <a:ext uri="{FF2B5EF4-FFF2-40B4-BE49-F238E27FC236}">
-                  <a16:creationId xmlns:a16="http://schemas.microsoft.com/office/drawing/2014/main" id="{190FC2B2-C369-4B91-835F-5CB11E0BCC74}"/>
-                </a:ext>
-              </a:extLst>
-            </p:cNvPr>
-            <p:cNvSpPr/>
-            <p:nvPr/>
-          </p:nvSpPr>
-          <p:spPr>
-            <a:xfrm rot="5400000">
-              <a:off x="6721633" y="5164468"/>
-              <a:ext cx="87702" cy="395132"/>
-            </a:xfrm>
-            <a:prstGeom prst="triangle">
-              <a:avLst/>
-            </a:prstGeom>
-            <a:solidFill>
-              <a:schemeClr val="bg1">
-                <a:lumMod val="85000"/>
-              </a:schemeClr>
-            </a:solidFill>
-            <a:ln>
-              <a:noFill/>
-            </a:ln>
-          </p:spPr>
-          <p:style>
-            <a:lnRef idx="2">
-              <a:schemeClr val="accent1">
-                <a:shade val="50000"/>
-              </a:schemeClr>
-            </a:lnRef>
-            <a:fillRef idx="1">
-              <a:schemeClr val="accent1"/>
-            </a:fillRef>
-            <a:effectRef idx="0">
-              <a:schemeClr val="accent1"/>
-            </a:effectRef>
-            <a:fontRef idx="minor">
-              <a:schemeClr val="lt1"/>
-            </a:fontRef>
-          </p:style>
-          <p:txBody>
-            <a:bodyPr rtlCol="0" anchor="ctr"/>
-            <a:lstStyle/>
-            <a:p>
-              <a:pPr algn="ctr"/>
-              <a:endParaRPr lang="en-IN"/>
-            </a:p>
-          </p:txBody>
-        </p:sp>
-      </p:grpSp>
-      <p:sp>
-        <p:nvSpPr>
-          <p:cNvPr id="19" name="TextBox 18">
-            <a:extLst>
-              <a:ext uri="{FF2B5EF4-FFF2-40B4-BE49-F238E27FC236}">
-                <a16:creationId xmlns:a16="http://schemas.microsoft.com/office/drawing/2014/main" id="{E0637C2B-B4B8-4207-A93E-B810EBB2E635}"/>
-              </a:ext>
-            </a:extLst>
-          </p:cNvPr>
-          <p:cNvSpPr txBox="1"/>
-          <p:nvPr/>
-        </p:nvSpPr>
-        <p:spPr>
-          <a:xfrm>
-            <a:off x="4499591" y="5187441"/>
-            <a:ext cx="1980207" cy="307777"/>
-          </a:xfrm>
-          <a:prstGeom prst="rect">
-            <a:avLst/>
-          </a:prstGeom>
-          <a:noFill/>
-        </p:spPr>
-        <p:txBody>
-          <a:bodyPr wrap="square" rtlCol="0">
-            <a:spAutoFit/>
-          </a:bodyPr>
-          <a:lstStyle/>
-          <a:p>
-            <a:r>
-              <a:rPr lang="en-IN" sz="1400" dirty="0">
-                <a:solidFill>
-                  <a:schemeClr val="tx1">
-                    <a:lumMod val="50000"/>
-                    <a:lumOff val="50000"/>
-                  </a:schemeClr>
-                </a:solidFill>
-              </a:rPr>
-              <a:t>Type a Command</a:t>
-            </a:r>
-          </a:p>
-        </p:txBody>
-      </p:sp>
-      <p:sp>
-        <p:nvSpPr>
-          <p:cNvPr id="26" name="Speech Bubble: Rectangle with Corners Rounded 25">
-            <a:extLst>
-              <a:ext uri="{FF2B5EF4-FFF2-40B4-BE49-F238E27FC236}">
-                <a16:creationId xmlns:a16="http://schemas.microsoft.com/office/drawing/2014/main" id="{A20AFA40-4D58-4BC0-A81F-765D59708A18}"/>
-              </a:ext>
-            </a:extLst>
-          </p:cNvPr>
-          <p:cNvSpPr/>
-          <p:nvPr/>
-        </p:nvSpPr>
-        <p:spPr>
-          <a:xfrm>
-            <a:off x="4859646" y="4217993"/>
-            <a:ext cx="1914061" cy="644926"/>
-          </a:xfrm>
-          <a:prstGeom prst="wedgeRoundRectCallout">
-            <a:avLst>
-              <a:gd name="adj1" fmla="val 80632"/>
-              <a:gd name="adj2" fmla="val 34543"/>
-              <a:gd name="adj3" fmla="val 16667"/>
-            </a:avLst>
-          </a:prstGeom>
-          <a:solidFill>
-            <a:schemeClr val="accent2">
-              <a:lumMod val="60000"/>
-              <a:lumOff val="40000"/>
-            </a:schemeClr>
-          </a:solidFill>
-          <a:ln>
-            <a:noFill/>
-          </a:ln>
-        </p:spPr>
-        <p:style>
-          <a:lnRef idx="2">
-            <a:schemeClr val="accent1">
-              <a:shade val="50000"/>
-            </a:schemeClr>
-          </a:lnRef>
-          <a:fillRef idx="1">
-            <a:schemeClr val="accent1"/>
-          </a:fillRef>
-          <a:effectRef idx="0">
-            <a:schemeClr val="accent1"/>
-          </a:effectRef>
-          <a:fontRef idx="minor">
-            <a:schemeClr val="lt1"/>
-          </a:fontRef>
-        </p:style>
-        <p:txBody>
-          <a:bodyPr rtlCol="0" anchor="ctr"/>
-          <a:lstStyle/>
-          <a:p>
-            <a:pPr algn="ctr"/>
-            <a:r>
-              <a:rPr lang="en-IN" dirty="0"/>
-              <a:t>Set Volume to 40%</a:t>
-            </a:r>
-          </a:p>
-        </p:txBody>
-      </p:sp>
       <p:sp>
         <p:nvSpPr>
           <p:cNvPr id="36" name="Speech Bubble: Rectangle with Corners Rounded 35">
@@ -25406,8 +25172,8 @@
         </p:nvSpPr>
         <p:spPr>
           <a:xfrm>
-            <a:off x="5160154" y="3940736"/>
-            <a:ext cx="1914061" cy="916055"/>
+            <a:off x="5077009" y="3160296"/>
+            <a:ext cx="1819061" cy="897217"/>
           </a:xfrm>
           <a:prstGeom prst="wedgeRoundRectCallout">
             <a:avLst>
@@ -25449,7 +25215,69 @@
             <a:pPr algn="ctr"/>
             <a:r>
               <a:rPr lang="en-IN" dirty="0"/>
-              <a:t>Phone Volume set to 40% successfully</a:t>
+              <a:t>Setting Phone Volume to 40%…</a:t>
+            </a:r>
+          </a:p>
+        </p:txBody>
+      </p:sp>
+      <p:sp>
+        <p:nvSpPr>
+          <p:cNvPr id="23" name="Speech Bubble: Rectangle with Corners Rounded 22">
+            <a:extLst>
+              <a:ext uri="{FF2B5EF4-FFF2-40B4-BE49-F238E27FC236}">
+                <a16:creationId xmlns:a16="http://schemas.microsoft.com/office/drawing/2014/main" id="{40DE411E-662E-4C99-8BCF-7E235E2A319A}"/>
+              </a:ext>
+            </a:extLst>
+          </p:cNvPr>
+          <p:cNvSpPr/>
+          <p:nvPr/>
+        </p:nvSpPr>
+        <p:spPr>
+          <a:xfrm>
+            <a:off x="5077009" y="4248018"/>
+            <a:ext cx="1819061" cy="513540"/>
+          </a:xfrm>
+          <a:prstGeom prst="wedgeRoundRectCallout">
+            <a:avLst>
+              <a:gd name="adj1" fmla="val -79658"/>
+              <a:gd name="adj2" fmla="val 40140"/>
+              <a:gd name="adj3" fmla="val 16667"/>
+            </a:avLst>
+          </a:prstGeom>
+          <a:solidFill>
+            <a:schemeClr val="accent2">
+              <a:lumMod val="60000"/>
+              <a:lumOff val="40000"/>
+            </a:schemeClr>
+          </a:solidFill>
+          <a:ln>
+            <a:noFill/>
+          </a:ln>
+        </p:spPr>
+        <p:style>
+          <a:lnRef idx="2">
+            <a:schemeClr val="accent1">
+              <a:shade val="50000"/>
+            </a:schemeClr>
+          </a:lnRef>
+          <a:fillRef idx="1">
+            <a:schemeClr val="accent1"/>
+          </a:fillRef>
+          <a:effectRef idx="0">
+            <a:schemeClr val="accent1"/>
+          </a:effectRef>
+          <a:fontRef idx="minor">
+            <a:schemeClr val="lt1"/>
+          </a:fontRef>
+        </p:style>
+        <p:txBody>
+          <a:bodyPr rtlCol="0" anchor="ctr"/>
+          <a:lstStyle/>
+          <a:p>
+            <a:pPr algn="ctr"/>
+            <a:r>
+              <a:rPr lang="en-IN" dirty="0"/>
+              <a:t>Done</a:t>
             </a:r>
           </a:p>
         </p:txBody>
@@ -25457,7 +25285,7 @@
     </p:spTree>
     <p:extLst>
       <p:ext uri="{BB962C8B-B14F-4D97-AF65-F5344CB8AC3E}">
-        <p14:creationId xmlns:p14="http://schemas.microsoft.com/office/powerpoint/2010/main" val="1216763497"/>
+        <p14:creationId xmlns:p14="http://schemas.microsoft.com/office/powerpoint/2010/main" val="1597240206"/>
       </p:ext>
     </p:extLst>
   </p:cSld>
@@ -25530,217 +25358,30 @@
                                   </p:childTnLst>
                                 </p:cTn>
                               </p:par>
+                            </p:childTnLst>
+                          </p:cTn>
+                        </p:par>
+                        <p:par>
+                          <p:cTn id="7" fill="hold">
+                            <p:stCondLst>
+                              <p:cond delay="2701"/>
+                            </p:stCondLst>
+                            <p:childTnLst>
                               <p:par>
-                                <p:cTn id="7" presetID="10" presetClass="entr" presetSubtype="0" fill="hold" nodeType="withEffect">
+                                <p:cTn id="8" presetID="23" presetClass="entr" presetSubtype="16" fill="hold" grpId="0" nodeType="afterEffect">
                                   <p:stCondLst>
-                                    <p:cond delay="0"/>
+                                    <p:cond delay="600"/>
                                   </p:stCondLst>
                                   <p:childTnLst>
                                     <p:set>
                                       <p:cBhvr>
-                                        <p:cTn id="8" dur="1" fill="hold">
+                                        <p:cTn id="9" dur="1" fill="hold">
                                           <p:stCondLst>
                                             <p:cond delay="0"/>
                                           </p:stCondLst>
                                         </p:cTn>
                                         <p:tgtEl>
-                                          <p:spTgt spid="18"/>
-                                        </p:tgtEl>
-                                        <p:attrNameLst>
-                                          <p:attrName>style.visibility</p:attrName>
-                                        </p:attrNameLst>
-                                      </p:cBhvr>
-                                      <p:to>
-                                        <p:strVal val="visible"/>
-                                      </p:to>
-                                    </p:set>
-                                    <p:animEffect transition="in" filter="fade">
-                                      <p:cBhvr>
-                                        <p:cTn id="9" dur="500"/>
-                                        <p:tgtEl>
-                                          <p:spTgt spid="18"/>
-                                        </p:tgtEl>
-                                      </p:cBhvr>
-                                    </p:animEffect>
-                                  </p:childTnLst>
-                                </p:cTn>
-                              </p:par>
-                            </p:childTnLst>
-                          </p:cTn>
-                        </p:par>
-                        <p:par>
-                          <p:cTn id="10" fill="hold">
-                            <p:stCondLst>
-                              <p:cond delay="2701"/>
-                            </p:stCondLst>
-                            <p:childTnLst>
-                              <p:par>
-                                <p:cTn id="11" presetID="26" presetClass="emph" presetSubtype="0" fill="hold" nodeType="afterEffect">
-                                  <p:stCondLst>
-                                    <p:cond delay="0"/>
-                                  </p:stCondLst>
-                                  <p:childTnLst>
-                                    <p:animEffect transition="out" filter="fade">
-                                      <p:cBhvr>
-                                        <p:cTn id="12" dur="500" tmFilter="0, 0; .2, .5; .8, .5; 1, 0"/>
-                                        <p:tgtEl>
-                                          <p:spTgt spid="18"/>
-                                        </p:tgtEl>
-                                      </p:cBhvr>
-                                    </p:animEffect>
-                                    <p:animScale>
-                                      <p:cBhvr>
-                                        <p:cTn id="13" dur="250" autoRev="1" fill="hold"/>
-                                        <p:tgtEl>
-                                          <p:spTgt spid="18"/>
-                                        </p:tgtEl>
-                                      </p:cBhvr>
-                                      <p:by x="105000" y="105000"/>
-                                    </p:animScale>
-                                  </p:childTnLst>
-                                </p:cTn>
-                              </p:par>
-                            </p:childTnLst>
-                          </p:cTn>
-                        </p:par>
-                        <p:par>
-                          <p:cTn id="14" fill="hold">
-                            <p:stCondLst>
-                              <p:cond delay="3201"/>
-                            </p:stCondLst>
-                            <p:childTnLst>
-                              <p:par>
-                                <p:cTn id="15" presetID="10" presetClass="exit" presetSubtype="0" fill="hold" nodeType="afterEffect">
-                                  <p:stCondLst>
-                                    <p:cond delay="0"/>
-                                  </p:stCondLst>
-                                  <p:iterate type="lt">
-                                    <p:tmPct val="0"/>
-                                  </p:iterate>
-                                  <p:childTnLst>
-                                    <p:animEffect transition="out" filter="fade">
-                                      <p:cBhvr>
-                                        <p:cTn id="16" dur="500"/>
-                                        <p:tgtEl>
-                                          <p:spTgt spid="30">
-                                            <p:txEl>
-                                              <p:pRg st="0" end="0"/>
-                                            </p:txEl>
-                                          </p:spTgt>
-                                        </p:tgtEl>
-                                      </p:cBhvr>
-                                    </p:animEffect>
-                                    <p:set>
-                                      <p:cBhvr>
-                                        <p:cTn id="17" dur="1" fill="hold">
-                                          <p:stCondLst>
-                                            <p:cond delay="499"/>
-                                          </p:stCondLst>
-                                        </p:cTn>
-                                        <p:tgtEl>
-                                          <p:spTgt spid="30">
-                                            <p:txEl>
-                                              <p:pRg st="0" end="0"/>
-                                            </p:txEl>
-                                          </p:spTgt>
-                                        </p:tgtEl>
-                                        <p:attrNameLst>
-                                          <p:attrName>style.visibility</p:attrName>
-                                        </p:attrNameLst>
-                                      </p:cBhvr>
-                                      <p:to>
-                                        <p:strVal val="hidden"/>
-                                      </p:to>
-                                    </p:set>
-                                  </p:childTnLst>
-                                </p:cTn>
-                              </p:par>
-                              <p:par>
-                                <p:cTn id="18" presetID="10" presetClass="exit" presetSubtype="0" fill="hold" nodeType="withEffect">
-                                  <p:stCondLst>
-                                    <p:cond delay="0"/>
-                                  </p:stCondLst>
-                                  <p:childTnLst>
-                                    <p:animEffect transition="out" filter="fade">
-                                      <p:cBhvr>
-                                        <p:cTn id="19" dur="500"/>
-                                        <p:tgtEl>
-                                          <p:spTgt spid="18"/>
-                                        </p:tgtEl>
-                                      </p:cBhvr>
-                                    </p:animEffect>
-                                    <p:set>
-                                      <p:cBhvr>
-                                        <p:cTn id="20" dur="1" fill="hold">
-                                          <p:stCondLst>
-                                            <p:cond delay="499"/>
-                                          </p:stCondLst>
-                                        </p:cTn>
-                                        <p:tgtEl>
-                                          <p:spTgt spid="18"/>
-                                        </p:tgtEl>
-                                        <p:attrNameLst>
-                                          <p:attrName>style.visibility</p:attrName>
-                                        </p:attrNameLst>
-                                      </p:cBhvr>
-                                      <p:to>
-                                        <p:strVal val="hidden"/>
-                                      </p:to>
-                                    </p:set>
-                                  </p:childTnLst>
-                                </p:cTn>
-                              </p:par>
-                            </p:childTnLst>
-                          </p:cTn>
-                        </p:par>
-                        <p:par>
-                          <p:cTn id="21" fill="hold">
-                            <p:stCondLst>
-                              <p:cond delay="3701"/>
-                            </p:stCondLst>
-                            <p:childTnLst>
-                              <p:par>
-                                <p:cTn id="22" presetID="1" presetClass="entr" presetSubtype="0" fill="hold" grpId="0" nodeType="afterEffect">
-                                  <p:stCondLst>
-                                    <p:cond delay="0"/>
-                                  </p:stCondLst>
-                                  <p:childTnLst>
-                                    <p:set>
-                                      <p:cBhvr>
-                                        <p:cTn id="23" dur="1" fill="hold">
-                                          <p:stCondLst>
-                                            <p:cond delay="0"/>
-                                          </p:stCondLst>
-                                        </p:cTn>
-                                        <p:tgtEl>
-                                          <p:spTgt spid="19"/>
-                                        </p:tgtEl>
-                                        <p:attrNameLst>
-                                          <p:attrName>style.visibility</p:attrName>
-                                        </p:attrNameLst>
-                                      </p:cBhvr>
-                                      <p:to>
-                                        <p:strVal val="visible"/>
-                                      </p:to>
-                                    </p:set>
-                                  </p:childTnLst>
-                                </p:cTn>
-                              </p:par>
-                              <p:par>
-                                <p:cTn id="24" presetID="23" presetClass="entr" presetSubtype="16" fill="hold" grpId="0" nodeType="withEffect">
-                                  <p:stCondLst>
-                                    <p:cond delay="0"/>
-                                  </p:stCondLst>
-                                  <p:childTnLst>
-                                    <p:set>
-                                      <p:cBhvr>
-                                        <p:cTn id="25" dur="1" fill="hold">
-                                          <p:stCondLst>
-                                            <p:cond delay="0"/>
-                                          </p:stCondLst>
-                                        </p:cTn>
-                                        <p:tgtEl>
-                                          <p:spTgt spid="26"/>
+                                          <p:spTgt spid="36"/>
                                         </p:tgtEl>
                                         <p:attrNameLst>
                                           <p:attrName>style.visibility</p:attrName>
@@ -25752,9 +25393,9 @@
                                     </p:set>
                                     <p:anim calcmode="lin" valueType="num">
                                       <p:cBhvr>
-                                        <p:cTn id="26" dur="200" fill="hold"/>
+                                        <p:cTn id="10" dur="200" fill="hold"/>
                                         <p:tgtEl>
-                                          <p:spTgt spid="26"/>
+                                          <p:spTgt spid="36"/>
                                         </p:tgtEl>
                                         <p:attrNameLst>
                                           <p:attrName>ppt_w</p:attrName>
@@ -25775,9 +25416,9 @@
                                     </p:anim>
                                     <p:anim calcmode="lin" valueType="num">
                                       <p:cBhvr>
-                                        <p:cTn id="27" dur="200" fill="hold"/>
+                                        <p:cTn id="11" dur="200" fill="hold"/>
                                         <p:tgtEl>
-                                          <p:spTgt spid="26"/>
+                                          <p:spTgt spid="36"/>
                                         </p:tgtEl>
                                         <p:attrNameLst>
                                           <p:attrName>ppt_h</p:attrName>
@@ -25803,57 +25444,26 @@
                           </p:cTn>
                         </p:par>
                         <p:par>
-                          <p:cTn id="28" fill="hold">
+                          <p:cTn id="12" fill="hold">
                             <p:stCondLst>
-                              <p:cond delay="3901"/>
+                              <p:cond delay="3501"/>
                             </p:stCondLst>
                             <p:childTnLst>
                               <p:par>
-                                <p:cTn id="29" presetID="64" presetClass="path" presetSubtype="0" accel="50000" decel="50000" fill="hold" grpId="1" nodeType="afterEffect">
+                                <p:cTn id="13" presetID="23" presetClass="entr" presetSubtype="16" fill="hold" grpId="0" nodeType="afterEffect">
                                   <p:stCondLst>
-                                    <p:cond delay="0"/>
-                                  </p:stCondLst>
-                                  <p:childTnLst>
-                                    <p:animMotion origin="layout" path="M -3.33333E-6 2.96296E-6 L -0.00065 -0.16204 " pathEditMode="relative" rAng="0" ptsTypes="AA">
-                                      <p:cBhvr>
-                                        <p:cTn id="30" dur="500" fill="hold"/>
-                                        <p:tgtEl>
-                                          <p:spTgt spid="26"/>
-                                        </p:tgtEl>
-                                        <p:attrNameLst>
-                                          <p:attrName>ppt_x</p:attrName>
-                                          <p:attrName>ppt_y</p:attrName>
-                                        </p:attrNameLst>
-                                      </p:cBhvr>
-                                      <p:rCtr x="-39" y="-8102"/>
-                                    </p:animMotion>
-                                  </p:childTnLst>
-                                </p:cTn>
-                              </p:par>
-                            </p:childTnLst>
-                          </p:cTn>
-                        </p:par>
-                        <p:par>
-                          <p:cTn id="31" fill="hold">
-                            <p:stCondLst>
-                              <p:cond delay="4401"/>
-                            </p:stCondLst>
-                            <p:childTnLst>
-                              <p:par>
-                                <p:cTn id="32" presetID="23" presetClass="entr" presetSubtype="16" fill="hold" grpId="0" nodeType="afterEffect">
-                                  <p:stCondLst>
-                                    <p:cond delay="800"/>
+                                    <p:cond delay="600"/>
                                   </p:stCondLst>
                                   <p:childTnLst>
                                     <p:set>
                                       <p:cBhvr>
-                                        <p:cTn id="33" dur="1" fill="hold">
+                                        <p:cTn id="14" dur="1" fill="hold">
                                           <p:stCondLst>
                                             <p:cond delay="0"/>
                                           </p:stCondLst>
                                         </p:cTn>
                                         <p:tgtEl>
-                                          <p:spTgt spid="36"/>
+                                          <p:spTgt spid="23"/>
                                         </p:tgtEl>
                                         <p:attrNameLst>
                                           <p:attrName>style.visibility</p:attrName>
@@ -25865,9 +25475,9 @@
                                     </p:set>
                                     <p:anim calcmode="lin" valueType="num">
                                       <p:cBhvr>
-                                        <p:cTn id="34" dur="200" fill="hold"/>
+                                        <p:cTn id="15" dur="200" fill="hold"/>
                                         <p:tgtEl>
-                                          <p:spTgt spid="36"/>
+                                          <p:spTgt spid="23"/>
                                         </p:tgtEl>
                                         <p:attrNameLst>
                                           <p:attrName>ppt_w</p:attrName>
@@ -25888,9 +25498,9 @@
                                     </p:anim>
                                     <p:anim calcmode="lin" valueType="num">
                                       <p:cBhvr>
-                                        <p:cTn id="35" dur="200" fill="hold"/>
+                                        <p:cTn id="16" dur="200" fill="hold"/>
                                         <p:tgtEl>
-                                          <p:spTgt spid="36"/>
+                                          <p:spTgt spid="23"/>
                                         </p:tgtEl>
                                         <p:attrNameLst>
                                           <p:attrName>ppt_h</p:attrName>
@@ -25940,10 +25550,8 @@
       </p:par>
     </p:tnLst>
     <p:bldLst>
-      <p:bldP spid="19" grpId="0"/>
-      <p:bldP spid="26" grpId="0" animBg="1"/>
-      <p:bldP spid="26" grpId="1" animBg="1"/>
       <p:bldP spid="36" grpId="0" animBg="1"/>
+      <p:bldP spid="23" grpId="0" animBg="1"/>
     </p:bldLst>
   </p:timing>
 </p:sld>
@@ -27554,13 +27162,13 @@
   <p:clrMapOvr>
     <a:masterClrMapping/>
   </p:clrMapOvr>
-  <mc:AlternateContent xmlns:mc="http://schemas.openxmlformats.org/markup-compatibility/2006" xmlns:p15="http://schemas.microsoft.com/office/powerpoint/2012/main">
-    <mc:Choice Requires="p15">
+  <mc:AlternateContent xmlns:mc="http://schemas.openxmlformats.org/markup-compatibility/2006">
+    <mc:Choice xmlns:p15="http://schemas.microsoft.com/office/powerpoint/2012/main" Requires="p15">
       <p:transition xmlns:p14="http://schemas.microsoft.com/office/powerpoint/2010/main" spd="slow" p14:dur="2000">
         <p15:prstTrans prst="prestige"/>
       </p:transition>
     </mc:Choice>
-    <mc:Fallback xmlns="">
+    <mc:Fallback>
       <p:transition spd="slow">
         <p:fade/>
       </p:transition>
@@ -29255,13 +28863,13 @@
   <p:clrMapOvr>
     <a:masterClrMapping/>
   </p:clrMapOvr>
-  <mc:AlternateContent xmlns:mc="http://schemas.openxmlformats.org/markup-compatibility/2006" xmlns:p15="http://schemas.microsoft.com/office/powerpoint/2012/main">
-    <mc:Choice Requires="p15">
+  <mc:AlternateContent xmlns:mc="http://schemas.openxmlformats.org/markup-compatibility/2006">
+    <mc:Choice xmlns:p15="http://schemas.microsoft.com/office/powerpoint/2012/main" Requires="p15">
       <p:transition xmlns:p14="http://schemas.microsoft.com/office/powerpoint/2010/main" spd="slow" p14:dur="2000">
         <p15:prstTrans prst="prestige"/>
       </p:transition>
     </mc:Choice>
-    <mc:Fallback xmlns="">
+    <mc:Fallback>
       <p:transition spd="slow">
         <p:fade/>
       </p:transition>
@@ -31128,13 +30736,13 @@
   <p:clrMapOvr>
     <a:masterClrMapping/>
   </p:clrMapOvr>
-  <mc:AlternateContent xmlns:mc="http://schemas.openxmlformats.org/markup-compatibility/2006" xmlns:p15="http://schemas.microsoft.com/office/powerpoint/2012/main">
-    <mc:Choice Requires="p15">
+  <mc:AlternateContent xmlns:mc="http://schemas.openxmlformats.org/markup-compatibility/2006">
+    <mc:Choice xmlns:p15="http://schemas.microsoft.com/office/powerpoint/2012/main" Requires="p15">
       <p:transition xmlns:p14="http://schemas.microsoft.com/office/powerpoint/2010/main" spd="slow" p14:dur="2000">
         <p15:prstTrans prst="prestige"/>
       </p:transition>
     </mc:Choice>
-    <mc:Fallback xmlns="">
+    <mc:Fallback>
       <p:transition spd="slow">
         <p:fade/>
       </p:transition>
